--- a/Figs/figs_for_ieice.pptx
+++ b/Figs/figs_for_ieice.pptx
@@ -6750,16 +6750,22 @@
       </p:grpSpPr>
       <p:grpSp>
         <p:nvGrpSpPr>
-          <p:cNvPr id="28" name="図形グループ 27"/>
+          <p:cNvPr id="24" name="グループ化 23">
+            <a:extLst>
+              <a:ext uri="{FF2B5EF4-FFF2-40B4-BE49-F238E27FC236}">
+                <a16:creationId xmlns:a16="http://schemas.microsoft.com/office/drawing/2014/main" id="{96A754AC-27F7-624F-8C07-8DB9C539429A}"/>
+              </a:ext>
+            </a:extLst>
+          </p:cNvPr>
           <p:cNvGrpSpPr/>
           <p:nvPr/>
         </p:nvGrpSpPr>
         <p:grpSpPr>
           <a:xfrm>
-            <a:off x="377495" y="583493"/>
-            <a:ext cx="8395976" cy="5724081"/>
-            <a:chOff x="348919" y="426327"/>
-            <a:chExt cx="8395976" cy="5724081"/>
+            <a:off x="377495" y="558093"/>
+            <a:ext cx="8395976" cy="5749481"/>
+            <a:chOff x="377495" y="558093"/>
+            <a:chExt cx="8395976" cy="5749481"/>
           </a:xfrm>
         </p:grpSpPr>
         <p:sp>
@@ -6770,7 +6776,7 @@
           </p:nvSpPr>
           <p:spPr>
             <a:xfrm>
-              <a:off x="5744627" y="4515759"/>
+              <a:off x="5773203" y="4672925"/>
               <a:ext cx="230832" cy="276999"/>
             </a:xfrm>
             <a:prstGeom prst="rect">
@@ -6811,7 +6817,7 @@
           </p:nvGrpSpPr>
           <p:grpSpPr>
             <a:xfrm>
-              <a:off x="507914" y="1769519"/>
+              <a:off x="536490" y="1926685"/>
               <a:ext cx="2657819" cy="1206877"/>
               <a:chOff x="596369" y="2312894"/>
               <a:chExt cx="2657819" cy="1206877"/>
@@ -7172,7 +7178,7 @@
           </p:nvCxnSpPr>
           <p:spPr>
             <a:xfrm>
-              <a:off x="3165733" y="2372958"/>
+              <a:off x="3194309" y="2530124"/>
               <a:ext cx="949076" cy="345122"/>
             </a:xfrm>
             <a:prstGeom prst="straightConnector1">
@@ -7213,7 +7219,7 @@
           </p:nvCxnSpPr>
           <p:spPr>
             <a:xfrm>
-              <a:off x="1836823" y="1277103"/>
+              <a:off x="1865399" y="1434269"/>
               <a:ext cx="1" cy="492416"/>
             </a:xfrm>
             <a:prstGeom prst="straightConnector1">
@@ -7249,7 +7255,7 @@
           </p:nvSpPr>
           <p:spPr>
             <a:xfrm>
-              <a:off x="1462930" y="992940"/>
+              <a:off x="1491506" y="1150106"/>
               <a:ext cx="747786" cy="284163"/>
             </a:xfrm>
             <a:prstGeom prst="rect">
@@ -7290,7 +7296,7 @@
           </p:nvSpPr>
           <p:spPr>
             <a:xfrm>
-              <a:off x="6740944" y="5873409"/>
+              <a:off x="6769520" y="6030575"/>
               <a:ext cx="2003951" cy="276999"/>
             </a:xfrm>
             <a:prstGeom prst="rect">
@@ -7334,8 +7340,8 @@
           </p:nvCxnSpPr>
           <p:spPr>
             <a:xfrm>
-              <a:off x="6125024" y="703326"/>
-              <a:ext cx="1" cy="326490"/>
+              <a:off x="6153600" y="835092"/>
+              <a:ext cx="1" cy="174090"/>
             </a:xfrm>
             <a:prstGeom prst="straightConnector1">
               <a:avLst/>
@@ -7370,7 +7376,7 @@
           </p:nvSpPr>
           <p:spPr>
             <a:xfrm>
-              <a:off x="5066128" y="426327"/>
+              <a:off x="5094704" y="558093"/>
               <a:ext cx="2117792" cy="276999"/>
             </a:xfrm>
             <a:prstGeom prst="rect">
@@ -7411,7 +7417,7 @@
           </p:nvGrpSpPr>
           <p:grpSpPr>
             <a:xfrm>
-              <a:off x="507914" y="3637856"/>
+              <a:off x="536490" y="3795022"/>
               <a:ext cx="2502733" cy="1977785"/>
               <a:chOff x="596814" y="4349056"/>
               <a:chExt cx="2502733" cy="1977785"/>
@@ -7476,7 +7482,7 @@
             <p:spPr>
               <a:xfrm>
                 <a:off x="669528" y="4389401"/>
-                <a:ext cx="528991" cy="276999"/>
+                <a:ext cx="423193" cy="276999"/>
               </a:xfrm>
               <a:prstGeom prst="rect">
                 <a:avLst/>
@@ -7498,7 +7504,7 @@
                     <a:ea typeface="Arial Narrow" charset="0"/>
                     <a:cs typeface="Arial Narrow" charset="0"/>
                   </a:rPr>
-                  <a:t>node1</a:t>
+                  <a:t>node</a:t>
                 </a:r>
                 <a:endParaRPr kumimoji="1" lang="ja-JP" altLang="en-US" sz="1800" dirty="0">
                   <a:latin typeface="Arial Narrow" charset="0"/>
@@ -8103,7 +8109,7 @@
           </p:nvGrpSpPr>
           <p:grpSpPr>
             <a:xfrm>
-              <a:off x="3137304" y="3639781"/>
+              <a:off x="3165880" y="3796947"/>
               <a:ext cx="2502733" cy="1977785"/>
               <a:chOff x="596814" y="4349056"/>
               <a:chExt cx="2502733" cy="1977785"/>
@@ -8168,7 +8174,7 @@
             <p:spPr>
               <a:xfrm>
                 <a:off x="669528" y="4389401"/>
-                <a:ext cx="528991" cy="276999"/>
+                <a:ext cx="423193" cy="276999"/>
               </a:xfrm>
               <a:prstGeom prst="rect">
                 <a:avLst/>
@@ -8190,7 +8196,7 @@
                     <a:ea typeface="Arial Narrow" charset="0"/>
                     <a:cs typeface="Arial Narrow" charset="0"/>
                   </a:rPr>
-                  <a:t>node2</a:t>
+                  <a:t>node</a:t>
                 </a:r>
                 <a:endParaRPr kumimoji="1" lang="ja-JP" altLang="en-US" sz="1800" dirty="0">
                   <a:latin typeface="Arial Narrow" charset="0"/>
@@ -8795,7 +8801,7 @@
           </p:nvGrpSpPr>
           <p:grpSpPr>
             <a:xfrm>
-              <a:off x="6055483" y="3637856"/>
+              <a:off x="6084059" y="3795022"/>
               <a:ext cx="2502733" cy="1977785"/>
               <a:chOff x="596814" y="4349056"/>
               <a:chExt cx="2502733" cy="1977785"/>
@@ -8859,8 +8865,8 @@
             </p:nvSpPr>
             <p:spPr>
               <a:xfrm>
-                <a:off x="669528" y="4389401"/>
-                <a:ext cx="803105" cy="276999"/>
+                <a:off x="2638028" y="4389401"/>
+                <a:ext cx="423193" cy="276999"/>
               </a:xfrm>
               <a:prstGeom prst="rect">
                 <a:avLst/>
@@ -8882,7 +8888,7 @@
                     <a:ea typeface="Arial Narrow" charset="0"/>
                     <a:cs typeface="Arial Narrow" charset="0"/>
                   </a:rPr>
-                  <a:t>node &lt;n&gt;</a:t>
+                  <a:t>node</a:t>
                 </a:r>
                 <a:endParaRPr kumimoji="1" lang="ja-JP" altLang="en-US" sz="1800" dirty="0">
                   <a:latin typeface="Arial Narrow" charset="0"/>
@@ -9487,7 +9493,7 @@
           </p:nvSpPr>
           <p:spPr>
             <a:xfrm>
-              <a:off x="348919" y="1371382"/>
+              <a:off x="377495" y="1528548"/>
               <a:ext cx="8367404" cy="4415055"/>
             </a:xfrm>
             <a:prstGeom prst="rect">
@@ -9534,7 +9540,7 @@
           </p:nvGrpSpPr>
           <p:grpSpPr>
             <a:xfrm>
-              <a:off x="4042844" y="1573422"/>
+              <a:off x="4071420" y="1730588"/>
               <a:ext cx="1757930" cy="1644668"/>
               <a:chOff x="3789947" y="1275048"/>
               <a:chExt cx="1757930" cy="1644668"/>
@@ -9599,7 +9605,7 @@
             <p:spPr>
               <a:xfrm>
                 <a:off x="3862660" y="1315392"/>
-                <a:ext cx="549831" cy="276999"/>
+                <a:ext cx="423193" cy="276999"/>
               </a:xfrm>
               <a:prstGeom prst="rect">
                 <a:avLst/>
@@ -9616,12 +9622,12 @@
               <a:lstStyle/>
               <a:p>
                 <a:r>
-                  <a:rPr kumimoji="1" lang="en-US" altLang="ja-JP" sz="1800" dirty="0" err="1">
+                  <a:rPr kumimoji="1" lang="en-US" altLang="ja-JP" sz="1800" dirty="0">
                     <a:latin typeface="Arial Narrow" charset="0"/>
                     <a:ea typeface="Arial Narrow" charset="0"/>
                     <a:cs typeface="Arial Narrow" charset="0"/>
                   </a:rPr>
-                  <a:t>nodeX</a:t>
+                  <a:t>node</a:t>
                 </a:r>
                 <a:endParaRPr kumimoji="1" lang="ja-JP" altLang="en-US" sz="1800" dirty="0">
                   <a:latin typeface="Arial Narrow" charset="0"/>
@@ -9918,7 +9924,7 @@
           </p:nvSpPr>
           <p:spPr>
             <a:xfrm>
-              <a:off x="5278052" y="1029816"/>
+              <a:off x="5306628" y="1009182"/>
               <a:ext cx="1693945" cy="295606"/>
             </a:xfrm>
             <a:prstGeom prst="roundRect">
@@ -9984,8 +9990,8 @@
           </p:nvCxnSpPr>
           <p:spPr>
             <a:xfrm rot="5400000">
-              <a:off x="4925673" y="1170170"/>
-              <a:ext cx="1044100" cy="1354605"/>
+              <a:off x="4865349" y="1238436"/>
+              <a:ext cx="1221900" cy="1354605"/>
             </a:xfrm>
             <a:prstGeom prst="curvedConnector3">
               <a:avLst>
@@ -10022,7 +10028,7 @@
           </p:nvGrpSpPr>
           <p:grpSpPr>
             <a:xfrm>
-              <a:off x="6559297" y="1545996"/>
+              <a:off x="6587873" y="1703162"/>
               <a:ext cx="1757930" cy="1644668"/>
               <a:chOff x="3789947" y="1275048"/>
               <a:chExt cx="1757930" cy="1644668"/>
@@ -10086,8 +10092,8 @@
             </p:nvSpPr>
             <p:spPr>
               <a:xfrm>
-                <a:off x="3862660" y="1315392"/>
-                <a:ext cx="549831" cy="276999"/>
+                <a:off x="4434160" y="1315392"/>
+                <a:ext cx="423193" cy="276999"/>
               </a:xfrm>
               <a:prstGeom prst="rect">
                 <a:avLst/>
@@ -10104,12 +10110,12 @@
               <a:lstStyle/>
               <a:p>
                 <a:r>
-                  <a:rPr kumimoji="1" lang="en-US" altLang="ja-JP" sz="1800" dirty="0" err="1">
+                  <a:rPr kumimoji="1" lang="en-US" altLang="ja-JP" sz="1800" dirty="0">
                     <a:latin typeface="Arial Narrow" charset="0"/>
                     <a:ea typeface="Arial Narrow" charset="0"/>
                     <a:cs typeface="Arial Narrow" charset="0"/>
                   </a:rPr>
-                  <a:t>nodeY</a:t>
+                  <a:t>node</a:t>
                 </a:r>
                 <a:endParaRPr kumimoji="1" lang="ja-JP" altLang="en-US" sz="1800" dirty="0">
                   <a:latin typeface="Arial Narrow" charset="0"/>
@@ -10409,7 +10415,7 @@
           </p:nvCxnSpPr>
           <p:spPr>
             <a:xfrm>
-              <a:off x="3165733" y="2372958"/>
+              <a:off x="3194309" y="2530124"/>
               <a:ext cx="3465529" cy="317696"/>
             </a:xfrm>
             <a:prstGeom prst="straightConnector1">
@@ -10450,8 +10456,8 @@
           </p:nvCxnSpPr>
           <p:spPr>
             <a:xfrm rot="16200000" flipH="1">
-              <a:off x="6197612" y="1252835"/>
-              <a:ext cx="1016674" cy="1161848"/>
+              <a:off x="6137288" y="1321101"/>
+              <a:ext cx="1194474" cy="1161848"/>
             </a:xfrm>
             <a:prstGeom prst="curvedConnector3">
               <a:avLst>
@@ -10462,7 +10468,7 @@
               <a:solidFill>
                 <a:srgbClr val="111CFE"/>
               </a:solidFill>
-              <a:prstDash val="dash"/>
+              <a:prstDash val="solid"/>
               <a:tailEnd type="triangle"/>
             </a:ln>
           </p:spPr>
@@ -10492,12 +10498,12 @@
           </p:nvCxnSpPr>
           <p:spPr>
             <a:xfrm rot="5400000">
-              <a:off x="3594314" y="3242841"/>
+              <a:off x="3622890" y="3400007"/>
               <a:ext cx="1352311" cy="999903"/>
             </a:xfrm>
             <a:prstGeom prst="curvedConnector3">
               <a:avLst>
-                <a:gd name="adj1" fmla="val 50001"/>
+                <a:gd name="adj1" fmla="val 39671"/>
               </a:avLst>
             </a:prstGeom>
             <a:ln w="25400">
@@ -10533,12 +10539,12 @@
           </p:nvCxnSpPr>
           <p:spPr>
             <a:xfrm rot="16200000" flipH="1">
-              <a:off x="5054365" y="2782692"/>
+              <a:off x="5082941" y="2939858"/>
               <a:ext cx="1350386" cy="1918276"/>
             </a:xfrm>
             <a:prstGeom prst="curvedConnector3">
               <a:avLst>
-                <a:gd name="adj1" fmla="val 50000"/>
+                <a:gd name="adj1" fmla="val 36833"/>
               </a:avLst>
             </a:prstGeom>
             <a:ln w="25400">
@@ -10574,12 +10580,12 @@
           </p:nvCxnSpPr>
           <p:spPr>
             <a:xfrm rot="5400000">
-              <a:off x="2280581" y="1927184"/>
+              <a:off x="2309157" y="2084350"/>
               <a:ext cx="1350386" cy="3629293"/>
             </a:xfrm>
             <a:prstGeom prst="curvedConnector3">
               <a:avLst>
-                <a:gd name="adj1" fmla="val 50000"/>
+                <a:gd name="adj1" fmla="val 40595"/>
               </a:avLst>
             </a:prstGeom>
             <a:ln w="25400">
@@ -10604,6 +10610,202 @@
             </a:fontRef>
           </p:style>
         </p:cxnSp>
+        <p:cxnSp>
+          <p:nvCxnSpPr>
+            <p:cNvPr id="87" name="曲線コネクタ 86">
+              <a:extLst>
+                <a:ext uri="{FF2B5EF4-FFF2-40B4-BE49-F238E27FC236}">
+                  <a16:creationId xmlns:a16="http://schemas.microsoft.com/office/drawing/2014/main" id="{B67AB567-04B8-EE4E-A2BD-C0AFC199635A}"/>
+                </a:ext>
+              </a:extLst>
+            </p:cNvPr>
+            <p:cNvCxnSpPr>
+              <a:cxnSpLocks/>
+              <a:stCxn id="106" idx="2"/>
+              <a:endCxn id="5" idx="0"/>
+            </p:cNvCxnSpPr>
+            <p:nvPr/>
+          </p:nvCxnSpPr>
+          <p:spPr>
+            <a:xfrm rot="5400000">
+              <a:off x="3553670" y="812410"/>
+              <a:ext cx="1377812" cy="6145746"/>
+            </a:xfrm>
+            <a:prstGeom prst="curvedConnector3">
+              <a:avLst>
+                <a:gd name="adj1" fmla="val 64748"/>
+              </a:avLst>
+            </a:prstGeom>
+            <a:ln w="25400">
+              <a:solidFill>
+                <a:srgbClr val="111CFE"/>
+              </a:solidFill>
+              <a:prstDash val="solid"/>
+              <a:tailEnd type="triangle"/>
+            </a:ln>
+          </p:spPr>
+          <p:style>
+            <a:lnRef idx="1">
+              <a:schemeClr val="accent1"/>
+            </a:lnRef>
+            <a:fillRef idx="0">
+              <a:schemeClr val="accent1"/>
+            </a:fillRef>
+            <a:effectRef idx="0">
+              <a:schemeClr val="accent1"/>
+            </a:effectRef>
+            <a:fontRef idx="minor">
+              <a:schemeClr val="tx1"/>
+            </a:fontRef>
+          </p:style>
+        </p:cxnSp>
+        <p:cxnSp>
+          <p:nvCxnSpPr>
+            <p:cNvPr id="91" name="曲線コネクタ 90">
+              <a:extLst>
+                <a:ext uri="{FF2B5EF4-FFF2-40B4-BE49-F238E27FC236}">
+                  <a16:creationId xmlns:a16="http://schemas.microsoft.com/office/drawing/2014/main" id="{0621A51A-58D1-8E45-A984-DC2EFC5DFC63}"/>
+                </a:ext>
+              </a:extLst>
+            </p:cNvPr>
+            <p:cNvCxnSpPr>
+              <a:cxnSpLocks/>
+              <a:stCxn id="106" idx="2"/>
+              <a:endCxn id="215" idx="0"/>
+            </p:cNvCxnSpPr>
+            <p:nvPr/>
+          </p:nvCxnSpPr>
+          <p:spPr>
+            <a:xfrm rot="5400000">
+              <a:off x="4867403" y="2128067"/>
+              <a:ext cx="1379737" cy="3516356"/>
+            </a:xfrm>
+            <a:prstGeom prst="curvedConnector3">
+              <a:avLst>
+                <a:gd name="adj1" fmla="val 68409"/>
+              </a:avLst>
+            </a:prstGeom>
+            <a:ln w="25400">
+              <a:solidFill>
+                <a:srgbClr val="111CFE"/>
+              </a:solidFill>
+              <a:prstDash val="solid"/>
+              <a:tailEnd type="triangle"/>
+            </a:ln>
+          </p:spPr>
+          <p:style>
+            <a:lnRef idx="1">
+              <a:schemeClr val="accent1"/>
+            </a:lnRef>
+            <a:fillRef idx="0">
+              <a:schemeClr val="accent1"/>
+            </a:fillRef>
+            <a:effectRef idx="0">
+              <a:schemeClr val="accent1"/>
+            </a:effectRef>
+            <a:fontRef idx="minor">
+              <a:schemeClr val="tx1"/>
+            </a:fontRef>
+          </p:style>
+        </p:cxnSp>
+        <p:cxnSp>
+          <p:nvCxnSpPr>
+            <p:cNvPr id="92" name="曲線コネクタ 91">
+              <a:extLst>
+                <a:ext uri="{FF2B5EF4-FFF2-40B4-BE49-F238E27FC236}">
+                  <a16:creationId xmlns:a16="http://schemas.microsoft.com/office/drawing/2014/main" id="{8E4FABD6-B1C1-2644-A8BC-453BD46521E5}"/>
+                </a:ext>
+              </a:extLst>
+            </p:cNvPr>
+            <p:cNvCxnSpPr>
+              <a:cxnSpLocks/>
+              <a:stCxn id="106" idx="2"/>
+              <a:endCxn id="230" idx="0"/>
+            </p:cNvCxnSpPr>
+            <p:nvPr/>
+          </p:nvCxnSpPr>
+          <p:spPr>
+            <a:xfrm rot="5400000">
+              <a:off x="6327455" y="3586195"/>
+              <a:ext cx="1377812" cy="598177"/>
+            </a:xfrm>
+            <a:prstGeom prst="curvedConnector3">
+              <a:avLst>
+                <a:gd name="adj1" fmla="val 48156"/>
+              </a:avLst>
+            </a:prstGeom>
+            <a:ln w="25400">
+              <a:solidFill>
+                <a:srgbClr val="111CFE"/>
+              </a:solidFill>
+              <a:prstDash val="solid"/>
+              <a:tailEnd type="triangle"/>
+            </a:ln>
+          </p:spPr>
+          <p:style>
+            <a:lnRef idx="1">
+              <a:schemeClr val="accent1"/>
+            </a:lnRef>
+            <a:fillRef idx="0">
+              <a:schemeClr val="accent1"/>
+            </a:fillRef>
+            <a:effectRef idx="0">
+              <a:schemeClr val="accent1"/>
+            </a:effectRef>
+            <a:fontRef idx="minor">
+              <a:schemeClr val="tx1"/>
+            </a:fontRef>
+          </p:style>
+        </p:cxnSp>
+        <p:sp>
+          <p:nvSpPr>
+            <p:cNvPr id="104" name="テキスト ボックス 103">
+              <a:extLst>
+                <a:ext uri="{FF2B5EF4-FFF2-40B4-BE49-F238E27FC236}">
+                  <a16:creationId xmlns:a16="http://schemas.microsoft.com/office/drawing/2014/main" id="{155B98E5-1FE4-9542-BF21-F59E0935AEE8}"/>
+                </a:ext>
+              </a:extLst>
+            </p:cNvPr>
+            <p:cNvSpPr txBox="1"/>
+            <p:nvPr/>
+          </p:nvSpPr>
+          <p:spPr>
+            <a:xfrm>
+              <a:off x="5053716" y="1378706"/>
+              <a:ext cx="919376" cy="276999"/>
+            </a:xfrm>
+            <a:prstGeom prst="rect">
+              <a:avLst/>
+            </a:prstGeom>
+            <a:solidFill>
+              <a:schemeClr val="bg1"/>
+            </a:solidFill>
+            <a:ln>
+              <a:noFill/>
+            </a:ln>
+          </p:spPr>
+          <p:txBody>
+            <a:bodyPr wrap="square" lIns="0" tIns="0" rIns="0" bIns="0" rtlCol="0">
+              <a:spAutoFit/>
+            </a:bodyPr>
+            <a:lstStyle/>
+            <a:p>
+              <a:r>
+                <a:rPr kumimoji="1" lang="en-US" altLang="ja-JP" sz="1800" dirty="0">
+                  <a:latin typeface="+mn-lt"/>
+                  <a:ea typeface="Arial Narrow" charset="0"/>
+                  <a:cs typeface="Arial Narrow" charset="0"/>
+                </a:rPr>
+                <a:t>  ECMP</a:t>
+              </a:r>
+              <a:endParaRPr kumimoji="1" lang="ja-JP" altLang="en-US" sz="1800" dirty="0">
+                <a:latin typeface="+mn-lt"/>
+                <a:ea typeface="Arial Narrow" charset="0"/>
+                <a:cs typeface="Arial Narrow" charset="0"/>
+              </a:endParaRPr>
+            </a:p>
+          </p:txBody>
+        </p:sp>
       </p:grpSp>
     </p:spTree>
     <p:extLst>
